--- a/slides/11-categorical-inference-pt1.pptx
+++ b/slides/11-categorical-inference-pt1.pptx
@@ -5,13 +5,14 @@
     <p:sldMasterId id="2147483852" r:id="rId1"/>
   </p:sldMasterIdLst>
   <p:notesMasterIdLst>
-    <p:notesMasterId r:id="rId6"/>
+    <p:notesMasterId r:id="rId7"/>
   </p:notesMasterIdLst>
   <p:sldIdLst>
     <p:sldId id="256" r:id="rId2"/>
     <p:sldId id="257" r:id="rId3"/>
-    <p:sldId id="358" r:id="rId4"/>
-    <p:sldId id="359" r:id="rId5"/>
+    <p:sldId id="359" r:id="rId4"/>
+    <p:sldId id="360" r:id="rId5"/>
+    <p:sldId id="361" r:id="rId6"/>
   </p:sldIdLst>
   <p:sldSz cx="12192000" cy="6858000"/>
   <p:notesSz cx="6858000" cy="9144000"/>
@@ -200,7 +201,7 @@
           <a:p>
             <a:fld id="{3CBB8A52-8AC5-C74C-97FB-632C448F3674}" type="datetimeFigureOut">
               <a:rPr lang="en-US" smtClean="0"/>
-              <a:t>3/4/24</a:t>
+              <a:t>3/7/24</a:t>
             </a:fld>
             <a:endParaRPr lang="en-US"/>
           </a:p>
@@ -565,7 +566,7 @@
     </p:spTree>
     <p:extLst>
       <p:ext uri="{BB962C8B-B14F-4D97-AF65-F5344CB8AC3E}">
-        <p14:creationId xmlns:p14="http://schemas.microsoft.com/office/powerpoint/2010/main" val="363401548"/>
+        <p14:creationId xmlns:p14="http://schemas.microsoft.com/office/powerpoint/2010/main" val="1179963936"/>
       </p:ext>
     </p:extLst>
   </p:cSld>
@@ -673,7 +674,115 @@
     </p:spTree>
     <p:extLst>
       <p:ext uri="{BB962C8B-B14F-4D97-AF65-F5344CB8AC3E}">
-        <p14:creationId xmlns:p14="http://schemas.microsoft.com/office/powerpoint/2010/main" val="1179963936"/>
+        <p14:creationId xmlns:p14="http://schemas.microsoft.com/office/powerpoint/2010/main" val="605966945"/>
+      </p:ext>
+    </p:extLst>
+  </p:cSld>
+  <p:clrMapOvr>
+    <a:masterClrMapping/>
+  </p:clrMapOvr>
+</p:notes>
+</file>
+
+<file path=ppt/notesSlides/notesSlide3.xml><?xml version="1.0" encoding="utf-8"?>
+<p:notes xmlns:a="http://schemas.openxmlformats.org/drawingml/2006/main" xmlns:r="http://schemas.openxmlformats.org/officeDocument/2006/relationships" xmlns:p="http://schemas.openxmlformats.org/presentationml/2006/main">
+  <p:cSld>
+    <p:spTree>
+      <p:nvGrpSpPr>
+        <p:cNvPr id="1" name="">
+          <a:extLst>
+            <a:ext uri="{FF2B5EF4-FFF2-40B4-BE49-F238E27FC236}">
+              <a16:creationId xmlns:a16="http://schemas.microsoft.com/office/drawing/2014/main" id="{A5FFF428-A751-7C94-F8EA-50BA02FEA6B7}"/>
+            </a:ext>
+          </a:extLst>
+        </p:cNvPr>
+        <p:cNvGrpSpPr/>
+        <p:nvPr/>
+      </p:nvGrpSpPr>
+      <p:grpSpPr>
+        <a:xfrm>
+          <a:off x="0" y="0"/>
+          <a:ext cx="0" cy="0"/>
+          <a:chOff x="0" y="0"/>
+          <a:chExt cx="0" cy="0"/>
+        </a:xfrm>
+      </p:grpSpPr>
+      <p:sp>
+        <p:nvSpPr>
+          <p:cNvPr id="2" name="Slide Image Placeholder 1">
+            <a:extLst>
+              <a:ext uri="{FF2B5EF4-FFF2-40B4-BE49-F238E27FC236}">
+                <a16:creationId xmlns:a16="http://schemas.microsoft.com/office/drawing/2014/main" id="{4EE34161-39A9-94C2-4E62-A77B3CA38352}"/>
+              </a:ext>
+            </a:extLst>
+          </p:cNvPr>
+          <p:cNvSpPr>
+            <a:spLocks noGrp="1" noRot="1" noChangeAspect="1"/>
+          </p:cNvSpPr>
+          <p:nvPr>
+            <p:ph type="sldImg"/>
+          </p:nvPr>
+        </p:nvSpPr>
+        <p:spPr/>
+      </p:sp>
+      <p:sp>
+        <p:nvSpPr>
+          <p:cNvPr id="3" name="Notes Placeholder 2">
+            <a:extLst>
+              <a:ext uri="{FF2B5EF4-FFF2-40B4-BE49-F238E27FC236}">
+                <a16:creationId xmlns:a16="http://schemas.microsoft.com/office/drawing/2014/main" id="{B256E879-C388-C1A8-9F88-BD828EA7219A}"/>
+              </a:ext>
+            </a:extLst>
+          </p:cNvPr>
+          <p:cNvSpPr>
+            <a:spLocks noGrp="1"/>
+          </p:cNvSpPr>
+          <p:nvPr>
+            <p:ph type="body" idx="1"/>
+          </p:nvPr>
+        </p:nvSpPr>
+        <p:spPr/>
+        <p:txBody>
+          <a:bodyPr/>
+          <a:lstStyle/>
+          <a:p>
+            <a:endParaRPr lang="en-US" dirty="0"/>
+          </a:p>
+        </p:txBody>
+      </p:sp>
+      <p:sp>
+        <p:nvSpPr>
+          <p:cNvPr id="4" name="Slide Number Placeholder 3">
+            <a:extLst>
+              <a:ext uri="{FF2B5EF4-FFF2-40B4-BE49-F238E27FC236}">
+                <a16:creationId xmlns:a16="http://schemas.microsoft.com/office/drawing/2014/main" id="{AECBA29A-C24F-53E5-991F-2D2C901FFAB9}"/>
+              </a:ext>
+            </a:extLst>
+          </p:cNvPr>
+          <p:cNvSpPr>
+            <a:spLocks noGrp="1"/>
+          </p:cNvSpPr>
+          <p:nvPr>
+            <p:ph type="sldNum" sz="quarter" idx="5"/>
+          </p:nvPr>
+        </p:nvSpPr>
+        <p:spPr/>
+        <p:txBody>
+          <a:bodyPr/>
+          <a:lstStyle/>
+          <a:p>
+            <a:fld id="{E666506D-5C9B-294C-B2AE-15ACE8B5B9F7}" type="slidenum">
+              <a:rPr lang="en-US" smtClean="0"/>
+              <a:t>5</a:t>
+            </a:fld>
+            <a:endParaRPr lang="en-US"/>
+          </a:p>
+        </p:txBody>
+      </p:sp>
+    </p:spTree>
+    <p:extLst>
+      <p:ext uri="{BB962C8B-B14F-4D97-AF65-F5344CB8AC3E}">
+        <p14:creationId xmlns:p14="http://schemas.microsoft.com/office/powerpoint/2010/main" val="2208106094"/>
       </p:ext>
     </p:extLst>
   </p:cSld>
@@ -908,7 +1017,7 @@
             <a:fld id="{5586B75A-687E-405C-8A0B-8D00578BA2C3}" type="datetimeFigureOut">
               <a:rPr lang="en-US" smtClean="0"/>
               <a:pPr/>
-              <a:t>3/4/24</a:t>
+              <a:t>3/7/24</a:t>
             </a:fld>
             <a:endParaRPr lang="en-US" dirty="0"/>
           </a:p>
@@ -1080,7 +1189,7 @@
             <a:fld id="{5586B75A-687E-405C-8A0B-8D00578BA2C3}" type="datetimeFigureOut">
               <a:rPr lang="en-US" smtClean="0"/>
               <a:pPr/>
-              <a:t>3/4/24</a:t>
+              <a:t>3/7/24</a:t>
             </a:fld>
             <a:endParaRPr lang="en-US" dirty="0"/>
           </a:p>
@@ -1262,7 +1371,7 @@
             <a:fld id="{5586B75A-687E-405C-8A0B-8D00578BA2C3}" type="datetimeFigureOut">
               <a:rPr lang="en-US" smtClean="0"/>
               <a:pPr/>
-              <a:t>3/4/24</a:t>
+              <a:t>3/7/24</a:t>
             </a:fld>
             <a:endParaRPr lang="en-US" dirty="0"/>
           </a:p>
@@ -1434,7 +1543,7 @@
             <a:fld id="{5586B75A-687E-405C-8A0B-8D00578BA2C3}" type="datetimeFigureOut">
               <a:rPr lang="en-US" smtClean="0"/>
               <a:pPr/>
-              <a:t>3/4/24</a:t>
+              <a:t>3/7/24</a:t>
             </a:fld>
             <a:endParaRPr lang="en-US" dirty="0"/>
           </a:p>
@@ -1690,7 +1799,7 @@
             <a:fld id="{5586B75A-687E-405C-8A0B-8D00578BA2C3}" type="datetimeFigureOut">
               <a:rPr lang="en-US" smtClean="0"/>
               <a:pPr/>
-              <a:t>3/4/24</a:t>
+              <a:t>3/7/24</a:t>
             </a:fld>
             <a:endParaRPr lang="en-US" dirty="0"/>
           </a:p>
@@ -1980,7 +2089,7 @@
             <a:fld id="{5586B75A-687E-405C-8A0B-8D00578BA2C3}" type="datetimeFigureOut">
               <a:rPr lang="en-US" smtClean="0"/>
               <a:pPr/>
-              <a:t>3/4/24</a:t>
+              <a:t>3/7/24</a:t>
             </a:fld>
             <a:endParaRPr lang="en-US" dirty="0"/>
           </a:p>
@@ -2424,7 +2533,7 @@
             <a:fld id="{5586B75A-687E-405C-8A0B-8D00578BA2C3}" type="datetimeFigureOut">
               <a:rPr lang="en-US" smtClean="0"/>
               <a:pPr/>
-              <a:t>3/4/24</a:t>
+              <a:t>3/7/24</a:t>
             </a:fld>
             <a:endParaRPr lang="en-US" dirty="0"/>
           </a:p>
@@ -2544,7 +2653,7 @@
             <a:fld id="{5586B75A-687E-405C-8A0B-8D00578BA2C3}" type="datetimeFigureOut">
               <a:rPr lang="en-US" smtClean="0"/>
               <a:pPr/>
-              <a:t>3/4/24</a:t>
+              <a:t>3/7/24</a:t>
             </a:fld>
             <a:endParaRPr lang="en-US" dirty="0"/>
           </a:p>
@@ -2641,7 +2750,7 @@
             <a:fld id="{5586B75A-687E-405C-8A0B-8D00578BA2C3}" type="datetimeFigureOut">
               <a:rPr lang="en-US" smtClean="0"/>
               <a:pPr/>
-              <a:t>3/4/24</a:t>
+              <a:t>3/7/24</a:t>
             </a:fld>
             <a:endParaRPr lang="en-US" dirty="0"/>
           </a:p>
@@ -2931,7 +3040,7 @@
             <a:fld id="{5586B75A-687E-405C-8A0B-8D00578BA2C3}" type="datetimeFigureOut">
               <a:rPr lang="en-US" smtClean="0"/>
               <a:pPr/>
-              <a:t>3/4/24</a:t>
+              <a:t>3/7/24</a:t>
             </a:fld>
             <a:endParaRPr lang="en-US" dirty="0"/>
           </a:p>
@@ -3206,7 +3315,7 @@
             <a:fld id="{5586B75A-687E-405C-8A0B-8D00578BA2C3}" type="datetimeFigureOut">
               <a:rPr lang="en-US" smtClean="0"/>
               <a:pPr/>
-              <a:t>3/4/24</a:t>
+              <a:t>3/7/24</a:t>
             </a:fld>
             <a:endParaRPr lang="en-US" dirty="0"/>
           </a:p>
@@ -3505,7 +3614,7 @@
             <a:fld id="{5586B75A-687E-405C-8A0B-8D00578BA2C3}" type="datetimeFigureOut">
               <a:rPr lang="en-US" smtClean="0"/>
               <a:pPr/>
-              <a:t>3/4/24</a:t>
+              <a:t>3/7/24</a:t>
             </a:fld>
             <a:endParaRPr lang="en-US" dirty="0"/>
           </a:p>
@@ -4239,13 +4348,13 @@
           <a:p>
             <a:r>
               <a:rPr lang="en-US" dirty="0"/>
-              <a:t>Reminder: Statistics and CIs</a:t>
-            </a:r>
-          </a:p>
-        </p:txBody>
-      </p:sp>
-      <mc:AlternateContent xmlns:mc="http://schemas.openxmlformats.org/markup-compatibility/2006">
-        <mc:Choice xmlns:a14="http://schemas.microsoft.com/office/drawing/2010/main" Requires="a14">
+              <a:t>Warm-Up: Hypothesis Testing</a:t>
+            </a:r>
+          </a:p>
+        </p:txBody>
+      </p:sp>
+      <mc:AlternateContent xmlns:mc="http://schemas.openxmlformats.org/markup-compatibility/2006" xmlns:a14="http://schemas.microsoft.com/office/drawing/2010/main">
+        <mc:Choice Requires="a14">
           <p:sp>
             <p:nvSpPr>
               <p:cNvPr id="10" name="TextBox 9">
@@ -4260,8 +4369,8 @@
             </p:nvSpPr>
             <p:spPr>
               <a:xfrm>
-                <a:off x="3464839" y="734150"/>
-                <a:ext cx="8311008" cy="6004336"/>
+                <a:off x="3481772" y="276950"/>
+                <a:ext cx="8311008" cy="5437386"/>
               </a:xfrm>
               <a:prstGeom prst="rect">
                 <a:avLst/>
@@ -4275,7 +4384,7 @@
               <a:lstStyle/>
               <a:p>
                 <a:r>
-                  <a:rPr lang="en-US" sz="3200" dirty="0"/>
+                  <a:rPr lang="en-US" sz="2400" dirty="0"/>
                   <a:t>Pieces of a Hypothesis test:</a:t>
                 </a:r>
               </a:p>
@@ -4284,7 +4393,7 @@
                   <a:buAutoNum type="arabicPeriod"/>
                 </a:pPr>
                 <a:r>
-                  <a:rPr lang="en-US" sz="2800" b="1" i="1" dirty="0"/>
+                  <a:rPr lang="en-US" sz="2400" b="1" i="1" dirty="0"/>
                   <a:t>Two competing and complementary claims about the world</a:t>
                 </a:r>
               </a:p>
@@ -4293,7 +4402,7 @@
                   <a:buAutoNum type="arabicPeriod"/>
                 </a:pPr>
                 <a:r>
-                  <a:rPr lang="en-US" sz="2800" b="1" i="1" dirty="0"/>
+                  <a:rPr lang="en-US" sz="2400" b="1" i="1" dirty="0"/>
                   <a:t>Test Statistic</a:t>
                 </a:r>
               </a:p>
@@ -4302,10 +4411,10 @@
                   <a:buAutoNum type="arabicPeriod"/>
                 </a:pPr>
                 <a:r>
-                  <a:rPr lang="en-US" sz="2800" b="1" i="1" dirty="0"/>
+                  <a:rPr lang="en-US" sz="2400" b="1" i="1" dirty="0"/>
                   <a:t>Null Distribution	</a:t>
                 </a:r>
-                <a:endParaRPr lang="en-US" sz="2800" dirty="0"/>
+                <a:endParaRPr lang="en-US" sz="2400" dirty="0"/>
               </a:p>
               <a:p>
                 <a:pPr marL="457200" indent="-457200">
@@ -4313,41 +4422,65 @@
                   <a:buAutoNum type="arabicPeriod" startAt="4"/>
                 </a:pPr>
                 <a:r>
-                  <a:rPr lang="en-US" sz="2800" b="1" i="1" dirty="0"/>
+                  <a:rPr lang="en-US" sz="2400" b="1" i="1" dirty="0"/>
                   <a:t>P-value</a:t>
                 </a:r>
               </a:p>
               <a:p>
                 <a:r>
-                  <a:rPr lang="en-US" sz="2800" b="1" i="1" dirty="0"/>
-                  <a:t>	</a:t>
+                  <a:rPr lang="en-US" sz="2400" dirty="0"/>
+                  <a:t>The </a:t>
+                </a:r>
+                <a:r>
+                  <a:rPr lang="en-US" sz="2400" b="1" i="1" dirty="0"/>
+                  <a:t>z-score </a:t>
+                </a:r>
+                <a:r>
+                  <a:rPr lang="en-US" sz="2400" dirty="0"/>
+                  <a:t>of an observation characterizes the number of standard deviations it falls above or below the population average if the null hypothesis is true. </a:t>
                 </a:r>
               </a:p>
               <a:p>
                 <a:r>
-                  <a:rPr lang="en-US" sz="2800" dirty="0"/>
-                  <a:t>The </a:t>
+                  <a:rPr lang="en-US" sz="2400" dirty="0"/>
+                  <a:t>for a sample mean, </a:t>
                 </a:r>
+                <a14:m>
+                  <m:oMath xmlns:m="http://schemas.openxmlformats.org/officeDocument/2006/math">
+                    <m:acc>
+                      <m:accPr>
+                        <m:chr m:val="̅"/>
+                        <m:ctrlPr>
+                          <a:rPr lang="en-US" sz="2400" i="1">
+                            <a:latin typeface="Cambria Math" panose="02040503050406030204" pitchFamily="18" charset="0"/>
+                          </a:rPr>
+                        </m:ctrlPr>
+                      </m:accPr>
+                      <m:e>
+                        <m:r>
+                          <a:rPr lang="en-US" sz="2400" i="1">
+                            <a:latin typeface="Cambria Math" panose="02040503050406030204" pitchFamily="18" charset="0"/>
+                          </a:rPr>
+                          <m:t>𝑥</m:t>
+                        </m:r>
+                      </m:e>
+                    </m:acc>
+                  </m:oMath>
+                </a14:m>
                 <a:r>
-                  <a:rPr lang="en-US" sz="2800" b="1" i="1" dirty="0"/>
-                  <a:t>z-score </a:t>
+                  <a:rPr lang="en-US" sz="2400" dirty="0"/>
+                  <a:t>, </a:t>
                 </a:r>
-                <a:r>
-                  <a:rPr lang="en-US" sz="2800" dirty="0"/>
-                  <a:t>of an observation characterizes the number of standard deviations it falls above or below the mean. </a:t>
-                </a:r>
-              </a:p>
-              <a:p>
                 <a14:m>
                   <m:oMath xmlns:m="http://schemas.openxmlformats.org/officeDocument/2006/math">
                     <m:r>
-                      <a:rPr lang="en-US" sz="2800" b="0" i="1" smtClean="0">
+                      <a:rPr lang="en-US" sz="2400" b="0" i="1" smtClean="0">
                         <a:latin typeface="Cambria Math" panose="02040503050406030204" pitchFamily="18" charset="0"/>
                       </a:rPr>
                       <m:t>𝑍</m:t>
                     </m:r>
                     <m:r>
-                      <a:rPr lang="en-US" sz="2800" b="0" i="1" smtClean="0">
+                      <a:rPr lang="en-US" sz="2400" b="0" i="1" smtClean="0">
                         <a:latin typeface="Cambria Math" panose="02040503050406030204" pitchFamily="18" charset="0"/>
                       </a:rPr>
                       <m:t>=</m:t>
@@ -4355,26 +4488,38 @@
                     <m:f>
                       <m:fPr>
                         <m:ctrlPr>
-                          <a:rPr lang="en-US" sz="2800" b="0" i="1" smtClean="0">
+                          <a:rPr lang="en-US" sz="2400" b="0" i="1" smtClean="0">
                             <a:latin typeface="Cambria Math" panose="02040503050406030204" pitchFamily="18" charset="0"/>
                           </a:rPr>
                         </m:ctrlPr>
                       </m:fPr>
                       <m:num>
+                        <m:acc>
+                          <m:accPr>
+                            <m:chr m:val="̅"/>
+                            <m:ctrlPr>
+                              <a:rPr lang="en-US" sz="2400" b="0" i="1" smtClean="0">
+                                <a:latin typeface="Cambria Math" panose="02040503050406030204" pitchFamily="18" charset="0"/>
+                              </a:rPr>
+                            </m:ctrlPr>
+                          </m:accPr>
+                          <m:e>
+                            <m:r>
+                              <a:rPr lang="en-US" sz="2400" b="0" i="1" smtClean="0">
+                                <a:latin typeface="Cambria Math" panose="02040503050406030204" pitchFamily="18" charset="0"/>
+                              </a:rPr>
+                              <m:t>𝑥</m:t>
+                            </m:r>
+                          </m:e>
+                        </m:acc>
                         <m:r>
-                          <a:rPr lang="en-US" sz="2800" b="0" i="1" smtClean="0">
-                            <a:latin typeface="Cambria Math" panose="02040503050406030204" pitchFamily="18" charset="0"/>
-                          </a:rPr>
-                          <m:t>𝑥</m:t>
-                        </m:r>
-                        <m:r>
-                          <a:rPr lang="en-US" sz="2800" b="0" i="1" smtClean="0">
+                          <a:rPr lang="en-US" sz="2400" b="0" i="1" smtClean="0">
                             <a:latin typeface="Cambria Math" panose="02040503050406030204" pitchFamily="18" charset="0"/>
                           </a:rPr>
                           <m:t>−</m:t>
                         </m:r>
                         <m:r>
-                          <a:rPr lang="en-US" sz="2800" b="0" i="1" smtClean="0">
+                          <a:rPr lang="en-US" sz="2400" b="0" i="1" smtClean="0">
                             <a:latin typeface="Cambria Math" panose="02040503050406030204" pitchFamily="18" charset="0"/>
                           </a:rPr>
                           <m:t>𝜇</m:t>
@@ -4382,7 +4527,7 @@
                       </m:num>
                       <m:den>
                         <m:r>
-                          <a:rPr lang="en-US" sz="2800" b="0" i="1" smtClean="0">
+                          <a:rPr lang="en-US" sz="2400" b="0" i="1" smtClean="0">
                             <a:latin typeface="Cambria Math" panose="02040503050406030204" pitchFamily="18" charset="0"/>
                           </a:rPr>
                           <m:t>𝜎</m:t>
@@ -4391,9 +4536,12 @@
                     </m:f>
                   </m:oMath>
                 </a14:m>
+                <a:endParaRPr lang="en-US" sz="2400" dirty="0"/>
+              </a:p>
+              <a:p>
                 <a:r>
-                  <a:rPr lang="en-US" sz="2800" dirty="0"/>
-                  <a:t> , for a sample proportion, </a:t>
+                  <a:rPr lang="en-US" sz="2400" dirty="0"/>
+                  <a:t>for a sample proportion, </a:t>
                 </a:r>
                 <a14:m>
                   <m:oMath xmlns:m="http://schemas.openxmlformats.org/officeDocument/2006/math">
@@ -4401,14 +4549,14 @@
                       <m:accPr>
                         <m:chr m:val="̂"/>
                         <m:ctrlPr>
-                          <a:rPr lang="en-US" sz="2800" b="0" i="1" smtClean="0">
+                          <a:rPr lang="en-US" sz="2400" b="0" i="1" smtClean="0">
                             <a:latin typeface="Cambria Math" panose="02040503050406030204" pitchFamily="18" charset="0"/>
                           </a:rPr>
                         </m:ctrlPr>
                       </m:accPr>
                       <m:e>
                         <m:r>
-                          <a:rPr lang="en-US" sz="2800" b="0" i="1" smtClean="0">
+                          <a:rPr lang="en-US" sz="2400" b="0" i="1" smtClean="0">
                             <a:latin typeface="Cambria Math" panose="02040503050406030204" pitchFamily="18" charset="0"/>
                           </a:rPr>
                           <m:t>𝑝</m:t>
@@ -4418,19 +4566,19 @@
                   </m:oMath>
                 </a14:m>
                 <a:r>
-                  <a:rPr lang="en-US" sz="2800" dirty="0"/>
+                  <a:rPr lang="en-US" sz="2400" dirty="0"/>
                   <a:t>, </a:t>
                 </a:r>
                 <a14:m>
                   <m:oMath xmlns:m="http://schemas.openxmlformats.org/officeDocument/2006/math">
                     <m:r>
-                      <a:rPr lang="en-US" sz="2800" i="1">
+                      <a:rPr lang="en-US" sz="2400" i="1">
                         <a:latin typeface="Cambria Math" panose="02040503050406030204" pitchFamily="18" charset="0"/>
                       </a:rPr>
                       <m:t>𝑍</m:t>
                     </m:r>
                     <m:r>
-                      <a:rPr lang="en-US" sz="2800" i="1">
+                      <a:rPr lang="en-US" sz="2400" i="1">
                         <a:latin typeface="Cambria Math" panose="02040503050406030204" pitchFamily="18" charset="0"/>
                       </a:rPr>
                       <m:t>=</m:t>
@@ -4438,7 +4586,7 @@
                     <m:f>
                       <m:fPr>
                         <m:ctrlPr>
-                          <a:rPr lang="en-US" sz="2800" i="1">
+                          <a:rPr lang="en-US" sz="2400" i="1">
                             <a:latin typeface="Cambria Math" panose="02040503050406030204" pitchFamily="18" charset="0"/>
                           </a:rPr>
                         </m:ctrlPr>
@@ -4448,14 +4596,14 @@
                           <m:accPr>
                             <m:chr m:val="̂"/>
                             <m:ctrlPr>
-                              <a:rPr lang="en-US" sz="2800" b="0" i="1" smtClean="0">
+                              <a:rPr lang="en-US" sz="2400" b="0" i="1" smtClean="0">
                                 <a:latin typeface="Cambria Math" panose="02040503050406030204" pitchFamily="18" charset="0"/>
                               </a:rPr>
                             </m:ctrlPr>
                           </m:accPr>
                           <m:e>
                             <m:r>
-                              <a:rPr lang="en-US" sz="2800" b="0" i="1" smtClean="0">
+                              <a:rPr lang="en-US" sz="2400" b="0" i="1" smtClean="0">
                                 <a:latin typeface="Cambria Math" panose="02040503050406030204" pitchFamily="18" charset="0"/>
                               </a:rPr>
                               <m:t>𝑝</m:t>
@@ -4463,13 +4611,13 @@
                           </m:e>
                         </m:acc>
                         <m:r>
-                          <a:rPr lang="en-US" sz="2800" i="1">
+                          <a:rPr lang="en-US" sz="2400" i="1">
                             <a:latin typeface="Cambria Math" panose="02040503050406030204" pitchFamily="18" charset="0"/>
                           </a:rPr>
                           <m:t>−</m:t>
                         </m:r>
                         <m:r>
-                          <a:rPr lang="en-US" sz="2800" b="0" i="1" smtClean="0">
+                          <a:rPr lang="en-US" sz="2400" b="0" i="1" smtClean="0">
                             <a:latin typeface="Cambria Math" panose="02040503050406030204" pitchFamily="18" charset="0"/>
                           </a:rPr>
                           <m:t>𝑝</m:t>
@@ -4480,7 +4628,7 @@
                           <m:radPr>
                             <m:degHide m:val="on"/>
                             <m:ctrlPr>
-                              <a:rPr lang="en-US" sz="2800" b="0" i="1" smtClean="0">
+                              <a:rPr lang="en-US" sz="2400" b="0" i="1" smtClean="0">
                                 <a:latin typeface="Cambria Math" panose="02040503050406030204" pitchFamily="18" charset="0"/>
                               </a:rPr>
                             </m:ctrlPr>
@@ -4490,14 +4638,14 @@
                             <m:f>
                               <m:fPr>
                                 <m:ctrlPr>
-                                  <a:rPr lang="en-US" sz="2800" b="0" i="1" smtClean="0">
+                                  <a:rPr lang="en-US" sz="2400" b="0" i="1" smtClean="0">
                                     <a:latin typeface="Cambria Math" panose="02040503050406030204" pitchFamily="18" charset="0"/>
                                   </a:rPr>
                                 </m:ctrlPr>
                               </m:fPr>
                               <m:num>
                                 <m:r>
-                                  <a:rPr lang="en-US" sz="2800" b="0" i="1" smtClean="0">
+                                  <a:rPr lang="en-US" sz="2400" b="0" i="1" smtClean="0">
                                     <a:latin typeface="Cambria Math" panose="02040503050406030204" pitchFamily="18" charset="0"/>
                                   </a:rPr>
                                   <m:t>𝑝</m:t>
@@ -4505,20 +4653,20 @@
                                 <m:d>
                                   <m:dPr>
                                     <m:ctrlPr>
-                                      <a:rPr lang="en-US" sz="2800" b="0" i="1" smtClean="0">
+                                      <a:rPr lang="en-US" sz="2400" b="0" i="1" smtClean="0">
                                         <a:latin typeface="Cambria Math" panose="02040503050406030204" pitchFamily="18" charset="0"/>
                                       </a:rPr>
                                     </m:ctrlPr>
                                   </m:dPr>
                                   <m:e>
                                     <m:r>
-                                      <a:rPr lang="en-US" sz="2800" b="0" i="1" smtClean="0">
+                                      <a:rPr lang="en-US" sz="2400" b="0" i="1" smtClean="0">
                                         <a:latin typeface="Cambria Math" panose="02040503050406030204" pitchFamily="18" charset="0"/>
                                       </a:rPr>
                                       <m:t>1−</m:t>
                                     </m:r>
                                     <m:r>
-                                      <a:rPr lang="en-US" sz="2800" b="0" i="1" smtClean="0">
+                                      <a:rPr lang="en-US" sz="2400" b="0" i="1" smtClean="0">
                                         <a:latin typeface="Cambria Math" panose="02040503050406030204" pitchFamily="18" charset="0"/>
                                       </a:rPr>
                                       <m:t>𝑝</m:t>
@@ -4528,7 +4676,7 @@
                               </m:num>
                               <m:den>
                                 <m:r>
-                                  <a:rPr lang="en-US" sz="2800" b="0" i="1" smtClean="0">
+                                  <a:rPr lang="en-US" sz="2400" b="0" i="1" smtClean="0">
                                     <a:latin typeface="Cambria Math" panose="02040503050406030204" pitchFamily="18" charset="0"/>
                                   </a:rPr>
                                   <m:t>𝑛</m:t>
@@ -4541,18 +4689,18 @@
                     </m:f>
                   </m:oMath>
                 </a14:m>
+                <a:endParaRPr lang="en-US" sz="2400" dirty="0"/>
+              </a:p>
+              <a:p>
                 <a:endParaRPr lang="en-US" sz="2800" dirty="0"/>
               </a:p>
               <a:p>
-                <a:endParaRPr lang="en-US" sz="3200" dirty="0"/>
-              </a:p>
-              <a:p>
-                <a:endParaRPr lang="en-US" sz="3200" dirty="0"/>
+                <a:endParaRPr lang="en-US" sz="2800" dirty="0"/>
               </a:p>
             </p:txBody>
           </p:sp>
         </mc:Choice>
-        <mc:Fallback>
+        <mc:Fallback xmlns="">
           <p:sp>
             <p:nvSpPr>
               <p:cNvPr id="10" name="TextBox 9">
@@ -4569,8 +4717,8 @@
             </p:nvSpPr>
             <p:spPr>
               <a:xfrm>
-                <a:off x="3464839" y="734150"/>
-                <a:ext cx="8311008" cy="6004336"/>
+                <a:off x="3481772" y="276950"/>
+                <a:ext cx="8311008" cy="5437386"/>
               </a:xfrm>
               <a:prstGeom prst="rect">
                 <a:avLst/>
@@ -4578,7 +4726,7 @@
               <a:blipFill>
                 <a:blip r:embed="rId3"/>
                 <a:stretch>
-                  <a:fillRect l="-1829" t="-1266" r="-2287"/>
+                  <a:fillRect l="-1221" t="-932"/>
                 </a:stretch>
               </a:blipFill>
             </p:spPr>
@@ -4600,7 +4748,7 @@
     </p:spTree>
     <p:extLst>
       <p:ext uri="{BB962C8B-B14F-4D97-AF65-F5344CB8AC3E}">
-        <p14:creationId xmlns:p14="http://schemas.microsoft.com/office/powerpoint/2010/main" val="2940122359"/>
+        <p14:creationId xmlns:p14="http://schemas.microsoft.com/office/powerpoint/2010/main" val="3140596707"/>
       </p:ext>
     </p:extLst>
   </p:cSld>
@@ -4659,13 +4807,13 @@
           <a:p>
             <a:r>
               <a:rPr lang="en-US" dirty="0"/>
-              <a:t>Reminder: Statistics and CIs</a:t>
-            </a:r>
-          </a:p>
-        </p:txBody>
-      </p:sp>
-      <mc:AlternateContent xmlns:mc="http://schemas.openxmlformats.org/markup-compatibility/2006">
-        <mc:Choice xmlns:a14="http://schemas.microsoft.com/office/drawing/2010/main" Requires="a14">
+              <a:t>Warm-Up: Hypothesis Testing</a:t>
+            </a:r>
+          </a:p>
+        </p:txBody>
+      </p:sp>
+      <mc:AlternateContent xmlns:mc="http://schemas.openxmlformats.org/markup-compatibility/2006" xmlns:a14="http://schemas.microsoft.com/office/drawing/2010/main">
+        <mc:Choice Requires="a14">
           <p:sp>
             <p:nvSpPr>
               <p:cNvPr id="10" name="TextBox 9">
@@ -4680,8 +4828,8 @@
             </p:nvSpPr>
             <p:spPr>
               <a:xfrm>
-                <a:off x="3464839" y="734150"/>
-                <a:ext cx="8311008" cy="6004336"/>
+                <a:off x="3481772" y="276950"/>
+                <a:ext cx="8311008" cy="5437386"/>
               </a:xfrm>
               <a:prstGeom prst="rect">
                 <a:avLst/>
@@ -4695,7 +4843,7 @@
               <a:lstStyle/>
               <a:p>
                 <a:r>
-                  <a:rPr lang="en-US" sz="3200" dirty="0"/>
+                  <a:rPr lang="en-US" sz="2400" dirty="0"/>
                   <a:t>Pieces of a Hypothesis test:</a:t>
                 </a:r>
               </a:p>
@@ -4704,7 +4852,7 @@
                   <a:buAutoNum type="arabicPeriod"/>
                 </a:pPr>
                 <a:r>
-                  <a:rPr lang="en-US" sz="2800" b="1" i="1" dirty="0"/>
+                  <a:rPr lang="en-US" sz="2400" b="1" i="1" dirty="0"/>
                   <a:t>Two competing and complementary claims about the world</a:t>
                 </a:r>
               </a:p>
@@ -4713,7 +4861,7 @@
                   <a:buAutoNum type="arabicPeriod"/>
                 </a:pPr>
                 <a:r>
-                  <a:rPr lang="en-US" sz="2800" b="1" i="1" dirty="0"/>
+                  <a:rPr lang="en-US" sz="2400" b="1" i="1" dirty="0"/>
                   <a:t>Test Statistic</a:t>
                 </a:r>
               </a:p>
@@ -4722,10 +4870,10 @@
                   <a:buAutoNum type="arabicPeriod"/>
                 </a:pPr>
                 <a:r>
-                  <a:rPr lang="en-US" sz="2800" b="1" i="1" dirty="0"/>
+                  <a:rPr lang="en-US" sz="2400" b="1" i="1" dirty="0"/>
                   <a:t>Null Distribution	</a:t>
                 </a:r>
-                <a:endParaRPr lang="en-US" sz="2800" dirty="0"/>
+                <a:endParaRPr lang="en-US" sz="2400" dirty="0"/>
               </a:p>
               <a:p>
                 <a:pPr marL="457200" indent="-457200">
@@ -4733,41 +4881,65 @@
                   <a:buAutoNum type="arabicPeriod" startAt="4"/>
                 </a:pPr>
                 <a:r>
-                  <a:rPr lang="en-US" sz="2800" b="1" i="1" dirty="0"/>
+                  <a:rPr lang="en-US" sz="2400" b="1" i="1" dirty="0"/>
                   <a:t>P-value</a:t>
                 </a:r>
               </a:p>
               <a:p>
                 <a:r>
-                  <a:rPr lang="en-US" sz="2800" b="1" i="1" dirty="0"/>
-                  <a:t>	</a:t>
+                  <a:rPr lang="en-US" sz="2400" dirty="0"/>
+                  <a:t>The </a:t>
+                </a:r>
+                <a:r>
+                  <a:rPr lang="en-US" sz="2400" b="1" i="1" dirty="0"/>
+                  <a:t>z-score </a:t>
+                </a:r>
+                <a:r>
+                  <a:rPr lang="en-US" sz="2400" dirty="0"/>
+                  <a:t>of an observation characterizes the number of standard deviations it falls above or below the population average if the null hypothesis is true. </a:t>
                 </a:r>
               </a:p>
               <a:p>
                 <a:r>
-                  <a:rPr lang="en-US" sz="2800" dirty="0"/>
-                  <a:t>The </a:t>
+                  <a:rPr lang="en-US" sz="2400" dirty="0"/>
+                  <a:t>for a sample mean, </a:t>
                 </a:r>
+                <a14:m>
+                  <m:oMath xmlns:m="http://schemas.openxmlformats.org/officeDocument/2006/math">
+                    <m:acc>
+                      <m:accPr>
+                        <m:chr m:val="̅"/>
+                        <m:ctrlPr>
+                          <a:rPr lang="en-US" sz="2400" i="1">
+                            <a:latin typeface="Cambria Math" panose="02040503050406030204" pitchFamily="18" charset="0"/>
+                          </a:rPr>
+                        </m:ctrlPr>
+                      </m:accPr>
+                      <m:e>
+                        <m:r>
+                          <a:rPr lang="en-US" sz="2400" i="1">
+                            <a:latin typeface="Cambria Math" panose="02040503050406030204" pitchFamily="18" charset="0"/>
+                          </a:rPr>
+                          <m:t>𝑥</m:t>
+                        </m:r>
+                      </m:e>
+                    </m:acc>
+                  </m:oMath>
+                </a14:m>
                 <a:r>
-                  <a:rPr lang="en-US" sz="2800" b="1" i="1" dirty="0"/>
-                  <a:t>z-score </a:t>
+                  <a:rPr lang="en-US" sz="2400" dirty="0"/>
+                  <a:t>, </a:t>
                 </a:r>
-                <a:r>
-                  <a:rPr lang="en-US" sz="2800" dirty="0"/>
-                  <a:t>of an observation characterizes the number of standard deviations it falls above or below the mean. </a:t>
-                </a:r>
-              </a:p>
-              <a:p>
                 <a14:m>
                   <m:oMath xmlns:m="http://schemas.openxmlformats.org/officeDocument/2006/math">
                     <m:r>
-                      <a:rPr lang="en-US" sz="2800" b="0" i="1" smtClean="0">
+                      <a:rPr lang="en-US" sz="2400" b="0" i="1" smtClean="0">
                         <a:latin typeface="Cambria Math" panose="02040503050406030204" pitchFamily="18" charset="0"/>
                       </a:rPr>
                       <m:t>𝑍</m:t>
                     </m:r>
                     <m:r>
-                      <a:rPr lang="en-US" sz="2800" b="0" i="1" smtClean="0">
+                      <a:rPr lang="en-US" sz="2400" b="0" i="1" smtClean="0">
                         <a:latin typeface="Cambria Math" panose="02040503050406030204" pitchFamily="18" charset="0"/>
                       </a:rPr>
                       <m:t>=</m:t>
@@ -4775,26 +4947,38 @@
                     <m:f>
                       <m:fPr>
                         <m:ctrlPr>
-                          <a:rPr lang="en-US" sz="2800" b="0" i="1" smtClean="0">
+                          <a:rPr lang="en-US" sz="2400" b="0" i="1" smtClean="0">
                             <a:latin typeface="Cambria Math" panose="02040503050406030204" pitchFamily="18" charset="0"/>
                           </a:rPr>
                         </m:ctrlPr>
                       </m:fPr>
                       <m:num>
+                        <m:acc>
+                          <m:accPr>
+                            <m:chr m:val="̅"/>
+                            <m:ctrlPr>
+                              <a:rPr lang="en-US" sz="2400" b="0" i="1" smtClean="0">
+                                <a:latin typeface="Cambria Math" panose="02040503050406030204" pitchFamily="18" charset="0"/>
+                              </a:rPr>
+                            </m:ctrlPr>
+                          </m:accPr>
+                          <m:e>
+                            <m:r>
+                              <a:rPr lang="en-US" sz="2400" b="0" i="1" smtClean="0">
+                                <a:latin typeface="Cambria Math" panose="02040503050406030204" pitchFamily="18" charset="0"/>
+                              </a:rPr>
+                              <m:t>𝑥</m:t>
+                            </m:r>
+                          </m:e>
+                        </m:acc>
                         <m:r>
-                          <a:rPr lang="en-US" sz="2800" b="0" i="1" smtClean="0">
-                            <a:latin typeface="Cambria Math" panose="02040503050406030204" pitchFamily="18" charset="0"/>
-                          </a:rPr>
-                          <m:t>𝑥</m:t>
-                        </m:r>
-                        <m:r>
-                          <a:rPr lang="en-US" sz="2800" b="0" i="1" smtClean="0">
+                          <a:rPr lang="en-US" sz="2400" b="0" i="1" smtClean="0">
                             <a:latin typeface="Cambria Math" panose="02040503050406030204" pitchFamily="18" charset="0"/>
                           </a:rPr>
                           <m:t>−</m:t>
                         </m:r>
                         <m:r>
-                          <a:rPr lang="en-US" sz="2800" b="0" i="1" smtClean="0">
+                          <a:rPr lang="en-US" sz="2400" b="0" i="1" smtClean="0">
                             <a:latin typeface="Cambria Math" panose="02040503050406030204" pitchFamily="18" charset="0"/>
                           </a:rPr>
                           <m:t>𝜇</m:t>
@@ -4802,7 +4986,7 @@
                       </m:num>
                       <m:den>
                         <m:r>
-                          <a:rPr lang="en-US" sz="2800" b="0" i="1" smtClean="0">
+                          <a:rPr lang="en-US" sz="2400" b="0" i="1" smtClean="0">
                             <a:latin typeface="Cambria Math" panose="02040503050406030204" pitchFamily="18" charset="0"/>
                           </a:rPr>
                           <m:t>𝜎</m:t>
@@ -4811,9 +4995,12 @@
                     </m:f>
                   </m:oMath>
                 </a14:m>
+                <a:endParaRPr lang="en-US" sz="2400" dirty="0"/>
+              </a:p>
+              <a:p>
                 <a:r>
-                  <a:rPr lang="en-US" sz="2800" dirty="0"/>
-                  <a:t> , for a sample proportion, </a:t>
+                  <a:rPr lang="en-US" sz="2400" dirty="0"/>
+                  <a:t>for a sample proportion, </a:t>
                 </a:r>
                 <a14:m>
                   <m:oMath xmlns:m="http://schemas.openxmlformats.org/officeDocument/2006/math">
@@ -4821,14 +5008,14 @@
                       <m:accPr>
                         <m:chr m:val="̂"/>
                         <m:ctrlPr>
-                          <a:rPr lang="en-US" sz="2800" b="0" i="1" smtClean="0">
+                          <a:rPr lang="en-US" sz="2400" b="0" i="1" smtClean="0">
                             <a:latin typeface="Cambria Math" panose="02040503050406030204" pitchFamily="18" charset="0"/>
                           </a:rPr>
                         </m:ctrlPr>
                       </m:accPr>
                       <m:e>
                         <m:r>
-                          <a:rPr lang="en-US" sz="2800" b="0" i="1" smtClean="0">
+                          <a:rPr lang="en-US" sz="2400" b="0" i="1" smtClean="0">
                             <a:latin typeface="Cambria Math" panose="02040503050406030204" pitchFamily="18" charset="0"/>
                           </a:rPr>
                           <m:t>𝑝</m:t>
@@ -4838,19 +5025,19 @@
                   </m:oMath>
                 </a14:m>
                 <a:r>
-                  <a:rPr lang="en-US" sz="2800" dirty="0"/>
+                  <a:rPr lang="en-US" sz="2400" dirty="0"/>
                   <a:t>, </a:t>
                 </a:r>
                 <a14:m>
                   <m:oMath xmlns:m="http://schemas.openxmlformats.org/officeDocument/2006/math">
                     <m:r>
-                      <a:rPr lang="en-US" sz="2800" i="1">
+                      <a:rPr lang="en-US" sz="2400" i="1">
                         <a:latin typeface="Cambria Math" panose="02040503050406030204" pitchFamily="18" charset="0"/>
                       </a:rPr>
                       <m:t>𝑍</m:t>
                     </m:r>
                     <m:r>
-                      <a:rPr lang="en-US" sz="2800" i="1">
+                      <a:rPr lang="en-US" sz="2400" i="1">
                         <a:latin typeface="Cambria Math" panose="02040503050406030204" pitchFamily="18" charset="0"/>
                       </a:rPr>
                       <m:t>=</m:t>
@@ -4858,7 +5045,7 @@
                     <m:f>
                       <m:fPr>
                         <m:ctrlPr>
-                          <a:rPr lang="en-US" sz="2800" i="1">
+                          <a:rPr lang="en-US" sz="2400" i="1">
                             <a:latin typeface="Cambria Math" panose="02040503050406030204" pitchFamily="18" charset="0"/>
                           </a:rPr>
                         </m:ctrlPr>
@@ -4868,14 +5055,14 @@
                           <m:accPr>
                             <m:chr m:val="̂"/>
                             <m:ctrlPr>
-                              <a:rPr lang="en-US" sz="2800" b="0" i="1" smtClean="0">
+                              <a:rPr lang="en-US" sz="2400" b="0" i="1" smtClean="0">
                                 <a:latin typeface="Cambria Math" panose="02040503050406030204" pitchFamily="18" charset="0"/>
                               </a:rPr>
                             </m:ctrlPr>
                           </m:accPr>
                           <m:e>
                             <m:r>
-                              <a:rPr lang="en-US" sz="2800" b="0" i="1" smtClean="0">
+                              <a:rPr lang="en-US" sz="2400" b="0" i="1" smtClean="0">
                                 <a:latin typeface="Cambria Math" panose="02040503050406030204" pitchFamily="18" charset="0"/>
                               </a:rPr>
                               <m:t>𝑝</m:t>
@@ -4883,13 +5070,13 @@
                           </m:e>
                         </m:acc>
                         <m:r>
-                          <a:rPr lang="en-US" sz="2800" i="1">
+                          <a:rPr lang="en-US" sz="2400" i="1">
                             <a:latin typeface="Cambria Math" panose="02040503050406030204" pitchFamily="18" charset="0"/>
                           </a:rPr>
                           <m:t>−</m:t>
                         </m:r>
                         <m:r>
-                          <a:rPr lang="en-US" sz="2800" b="0" i="1" smtClean="0">
+                          <a:rPr lang="en-US" sz="2400" b="0" i="1" smtClean="0">
                             <a:latin typeface="Cambria Math" panose="02040503050406030204" pitchFamily="18" charset="0"/>
                           </a:rPr>
                           <m:t>𝑝</m:t>
@@ -4900,7 +5087,7 @@
                           <m:radPr>
                             <m:degHide m:val="on"/>
                             <m:ctrlPr>
-                              <a:rPr lang="en-US" sz="2800" b="0" i="1" smtClean="0">
+                              <a:rPr lang="en-US" sz="2400" b="0" i="1" smtClean="0">
                                 <a:latin typeface="Cambria Math" panose="02040503050406030204" pitchFamily="18" charset="0"/>
                               </a:rPr>
                             </m:ctrlPr>
@@ -4910,14 +5097,14 @@
                             <m:f>
                               <m:fPr>
                                 <m:ctrlPr>
-                                  <a:rPr lang="en-US" sz="2800" b="0" i="1" smtClean="0">
+                                  <a:rPr lang="en-US" sz="2400" b="0" i="1" smtClean="0">
                                     <a:latin typeface="Cambria Math" panose="02040503050406030204" pitchFamily="18" charset="0"/>
                                   </a:rPr>
                                 </m:ctrlPr>
                               </m:fPr>
                               <m:num>
                                 <m:r>
-                                  <a:rPr lang="en-US" sz="2800" b="0" i="1" smtClean="0">
+                                  <a:rPr lang="en-US" sz="2400" b="0" i="1" smtClean="0">
                                     <a:latin typeface="Cambria Math" panose="02040503050406030204" pitchFamily="18" charset="0"/>
                                   </a:rPr>
                                   <m:t>𝑝</m:t>
@@ -4925,20 +5112,20 @@
                                 <m:d>
                                   <m:dPr>
                                     <m:ctrlPr>
-                                      <a:rPr lang="en-US" sz="2800" b="0" i="1" smtClean="0">
+                                      <a:rPr lang="en-US" sz="2400" b="0" i="1" smtClean="0">
                                         <a:latin typeface="Cambria Math" panose="02040503050406030204" pitchFamily="18" charset="0"/>
                                       </a:rPr>
                                     </m:ctrlPr>
                                   </m:dPr>
                                   <m:e>
                                     <m:r>
-                                      <a:rPr lang="en-US" sz="2800" b="0" i="1" smtClean="0">
+                                      <a:rPr lang="en-US" sz="2400" b="0" i="1" smtClean="0">
                                         <a:latin typeface="Cambria Math" panose="02040503050406030204" pitchFamily="18" charset="0"/>
                                       </a:rPr>
                                       <m:t>1−</m:t>
                                     </m:r>
                                     <m:r>
-                                      <a:rPr lang="en-US" sz="2800" b="0" i="1" smtClean="0">
+                                      <a:rPr lang="en-US" sz="2400" b="0" i="1" smtClean="0">
                                         <a:latin typeface="Cambria Math" panose="02040503050406030204" pitchFamily="18" charset="0"/>
                                       </a:rPr>
                                       <m:t>𝑝</m:t>
@@ -4948,7 +5135,7 @@
                               </m:num>
                               <m:den>
                                 <m:r>
-                                  <a:rPr lang="en-US" sz="2800" b="0" i="1" smtClean="0">
+                                  <a:rPr lang="en-US" sz="2400" b="0" i="1" smtClean="0">
                                     <a:latin typeface="Cambria Math" panose="02040503050406030204" pitchFamily="18" charset="0"/>
                                   </a:rPr>
                                   <m:t>𝑛</m:t>
@@ -4961,18 +5148,18 @@
                     </m:f>
                   </m:oMath>
                 </a14:m>
+                <a:endParaRPr lang="en-US" sz="2400" dirty="0"/>
+              </a:p>
+              <a:p>
                 <a:endParaRPr lang="en-US" sz="2800" dirty="0"/>
               </a:p>
               <a:p>
-                <a:endParaRPr lang="en-US" sz="3200" dirty="0"/>
-              </a:p>
-              <a:p>
-                <a:endParaRPr lang="en-US" sz="3200" dirty="0"/>
+                <a:endParaRPr lang="en-US" sz="2800" dirty="0"/>
               </a:p>
             </p:txBody>
           </p:sp>
         </mc:Choice>
-        <mc:Fallback>
+        <mc:Fallback xmlns="">
           <p:sp>
             <p:nvSpPr>
               <p:cNvPr id="10" name="TextBox 9">
@@ -4989,8 +5176,8 @@
             </p:nvSpPr>
             <p:spPr>
               <a:xfrm>
-                <a:off x="3464839" y="734150"/>
-                <a:ext cx="8311008" cy="6004336"/>
+                <a:off x="3481772" y="276950"/>
+                <a:ext cx="8311008" cy="5437386"/>
               </a:xfrm>
               <a:prstGeom prst="rect">
                 <a:avLst/>
@@ -4998,7 +5185,218 @@
               <a:blipFill>
                 <a:blip r:embed="rId3"/>
                 <a:stretch>
-                  <a:fillRect l="-1829" t="-1266" r="-2287"/>
+                  <a:fillRect l="-1221" t="-932"/>
+                </a:stretch>
+              </a:blipFill>
+            </p:spPr>
+            <p:txBody>
+              <a:bodyPr/>
+              <a:lstStyle/>
+              <a:p>
+                <a:r>
+                  <a:rPr lang="en-US">
+                    <a:noFill/>
+                  </a:rPr>
+                  <a:t> </a:t>
+                </a:r>
+              </a:p>
+            </p:txBody>
+          </p:sp>
+        </mc:Fallback>
+      </mc:AlternateContent>
+      <mc:AlternateContent xmlns:mc="http://schemas.openxmlformats.org/markup-compatibility/2006" xmlns:a14="http://schemas.microsoft.com/office/drawing/2010/main">
+        <mc:Choice Requires="a14">
+          <p:sp>
+            <p:nvSpPr>
+              <p:cNvPr id="2" name="Rounded Rectangle 1">
+                <a:extLst>
+                  <a:ext uri="{FF2B5EF4-FFF2-40B4-BE49-F238E27FC236}">
+                    <a16:creationId xmlns:a16="http://schemas.microsoft.com/office/drawing/2014/main" id="{71DEABDD-C2C8-777E-76FA-D4C735D63A3F}"/>
+                  </a:ext>
+                </a:extLst>
+              </p:cNvPr>
+              <p:cNvSpPr/>
+              <p:nvPr/>
+            </p:nvSpPr>
+            <p:spPr>
+              <a:xfrm>
+                <a:off x="95534" y="4667534"/>
+                <a:ext cx="12096466" cy="1801505"/>
+              </a:xfrm>
+              <a:prstGeom prst="roundRect">
+                <a:avLst/>
+              </a:prstGeom>
+            </p:spPr>
+            <p:style>
+              <a:lnRef idx="0">
+                <a:schemeClr val="accent5"/>
+              </a:lnRef>
+              <a:fillRef idx="3">
+                <a:schemeClr val="accent5"/>
+              </a:fillRef>
+              <a:effectRef idx="3">
+                <a:schemeClr val="accent5"/>
+              </a:effectRef>
+              <a:fontRef idx="minor">
+                <a:schemeClr val="lt1"/>
+              </a:fontRef>
+            </p:style>
+            <p:txBody>
+              <a:bodyPr rtlCol="0" anchor="ctr"/>
+              <a:lstStyle/>
+              <a:p>
+                <a:pPr algn="ctr"/>
+                <a:r>
+                  <a:rPr lang="en-US" sz="2400" dirty="0"/>
+                  <a:t>You suspect more the 50% of WSU students are commuters. You perform an experiment to statistically test this suspicion, and sample 100 students. You find 33  of them are commuters. </a:t>
+                </a:r>
+              </a:p>
+              <a:p>
+                <a:pPr algn="ctr"/>
+                <a:r>
+                  <a:rPr lang="en-US" sz="2400" dirty="0"/>
+                  <a:t>Your hypotheses are: </a:t>
+                </a:r>
+                <a14:m>
+                  <m:oMath xmlns:m="http://schemas.openxmlformats.org/officeDocument/2006/math">
+                    <m:sSub>
+                      <m:sSubPr>
+                        <m:ctrlPr>
+                          <a:rPr lang="en-US" sz="2400" b="0" i="1" smtClean="0">
+                            <a:latin typeface="Cambria Math" panose="02040503050406030204" pitchFamily="18" charset="0"/>
+                          </a:rPr>
+                        </m:ctrlPr>
+                      </m:sSubPr>
+                      <m:e>
+                        <m:r>
+                          <a:rPr lang="en-US" sz="2400" b="0" i="1" smtClean="0">
+                            <a:latin typeface="Cambria Math" panose="02040503050406030204" pitchFamily="18" charset="0"/>
+                          </a:rPr>
+                          <m:t>𝐻</m:t>
+                        </m:r>
+                      </m:e>
+                      <m:sub>
+                        <m:r>
+                          <a:rPr lang="en-US" sz="2400" b="0" i="1" smtClean="0">
+                            <a:latin typeface="Cambria Math" panose="02040503050406030204" pitchFamily="18" charset="0"/>
+                          </a:rPr>
+                          <m:t>0</m:t>
+                        </m:r>
+                      </m:sub>
+                    </m:sSub>
+                    <m:r>
+                      <a:rPr lang="en-US" sz="2400" b="0" i="1" smtClean="0">
+                        <a:latin typeface="Cambria Math" panose="02040503050406030204" pitchFamily="18" charset="0"/>
+                      </a:rPr>
+                      <m:t>:</m:t>
+                    </m:r>
+                    <m:r>
+                      <a:rPr lang="en-US" sz="2400" b="0" i="1" smtClean="0">
+                        <a:latin typeface="Cambria Math" panose="02040503050406030204" pitchFamily="18" charset="0"/>
+                      </a:rPr>
+                      <m:t>𝑝</m:t>
+                    </m:r>
+                    <m:r>
+                      <a:rPr lang="en-US" sz="2400" b="0" i="1" smtClean="0">
+                        <a:latin typeface="Cambria Math" panose="02040503050406030204" pitchFamily="18" charset="0"/>
+                      </a:rPr>
+                      <m:t>=0.5</m:t>
+                    </m:r>
+                  </m:oMath>
+                </a14:m>
+                <a:r>
+                  <a:rPr lang="en-US" sz="2400" dirty="0"/>
+                  <a:t>, </a:t>
+                </a:r>
+                <a14:m>
+                  <m:oMath xmlns:m="http://schemas.openxmlformats.org/officeDocument/2006/math">
+                    <m:sSub>
+                      <m:sSubPr>
+                        <m:ctrlPr>
+                          <a:rPr lang="en-US" sz="2400" b="0" i="1" smtClean="0">
+                            <a:latin typeface="Cambria Math" panose="02040503050406030204" pitchFamily="18" charset="0"/>
+                          </a:rPr>
+                        </m:ctrlPr>
+                      </m:sSubPr>
+                      <m:e>
+                        <m:r>
+                          <a:rPr lang="en-US" sz="2400" b="0" i="1" smtClean="0">
+                            <a:latin typeface="Cambria Math" panose="02040503050406030204" pitchFamily="18" charset="0"/>
+                          </a:rPr>
+                          <m:t>𝐻</m:t>
+                        </m:r>
+                      </m:e>
+                      <m:sub>
+                        <m:r>
+                          <a:rPr lang="en-US" sz="2400" b="0" i="1" smtClean="0">
+                            <a:latin typeface="Cambria Math" panose="02040503050406030204" pitchFamily="18" charset="0"/>
+                          </a:rPr>
+                          <m:t>𝐴</m:t>
+                        </m:r>
+                      </m:sub>
+                    </m:sSub>
+                    <m:r>
+                      <a:rPr lang="en-US" sz="2400" b="0" i="1" smtClean="0">
+                        <a:latin typeface="Cambria Math" panose="02040503050406030204" pitchFamily="18" charset="0"/>
+                      </a:rPr>
+                      <m:t>:</m:t>
+                    </m:r>
+                    <m:r>
+                      <a:rPr lang="en-US" sz="2400" b="0" i="1" smtClean="0">
+                        <a:latin typeface="Cambria Math" panose="02040503050406030204" pitchFamily="18" charset="0"/>
+                      </a:rPr>
+                      <m:t>𝑝</m:t>
+                    </m:r>
+                    <m:r>
+                      <a:rPr lang="en-US" sz="2400" b="0" i="1" smtClean="0">
+                        <a:latin typeface="Cambria Math" panose="02040503050406030204" pitchFamily="18" charset="0"/>
+                      </a:rPr>
+                      <m:t>&gt;0.5</m:t>
+                    </m:r>
+                  </m:oMath>
+                </a14:m>
+                <a:r>
+                  <a:rPr lang="en-US" sz="2400" dirty="0"/>
+                  <a:t>     </a:t>
+                </a:r>
+              </a:p>
+              <a:p>
+                <a:pPr algn="ctr"/>
+                <a:r>
+                  <a:rPr lang="en-US" sz="2400" dirty="0"/>
+                  <a:t>What is Z? What p-value does Z imply? Should you reject your null hypothesis?</a:t>
+                </a:r>
+              </a:p>
+            </p:txBody>
+          </p:sp>
+        </mc:Choice>
+        <mc:Fallback xmlns="">
+          <p:sp>
+            <p:nvSpPr>
+              <p:cNvPr id="2" name="Rounded Rectangle 1">
+                <a:extLst>
+                  <a:ext uri="{FF2B5EF4-FFF2-40B4-BE49-F238E27FC236}">
+                    <a16:creationId xmlns:a16="http://schemas.microsoft.com/office/drawing/2014/main" id="{71DEABDD-C2C8-777E-76FA-D4C735D63A3F}"/>
+                  </a:ext>
+                </a:extLst>
+              </p:cNvPr>
+              <p:cNvSpPr>
+                <a:spLocks noRot="1" noChangeAspect="1" noMove="1" noResize="1" noEditPoints="1" noAdjustHandles="1" noChangeArrowheads="1" noChangeShapeType="1" noTextEdit="1"/>
+              </p:cNvSpPr>
+              <p:nvPr/>
+            </p:nvSpPr>
+            <p:spPr>
+              <a:xfrm>
+                <a:off x="95534" y="4667534"/>
+                <a:ext cx="12096466" cy="1801505"/>
+              </a:xfrm>
+              <a:prstGeom prst="roundRect">
+                <a:avLst/>
+              </a:prstGeom>
+              <a:blipFill>
+                <a:blip r:embed="rId4"/>
+                <a:stretch>
+                  <a:fillRect/>
                 </a:stretch>
               </a:blipFill>
             </p:spPr>
@@ -5020,7 +5418,136 @@
     </p:spTree>
     <p:extLst>
       <p:ext uri="{BB962C8B-B14F-4D97-AF65-F5344CB8AC3E}">
-        <p14:creationId xmlns:p14="http://schemas.microsoft.com/office/powerpoint/2010/main" val="3140596707"/>
+        <p14:creationId xmlns:p14="http://schemas.microsoft.com/office/powerpoint/2010/main" val="2795758544"/>
+      </p:ext>
+    </p:extLst>
+  </p:cSld>
+  <p:clrMapOvr>
+    <a:masterClrMapping/>
+  </p:clrMapOvr>
+  <p:transition>
+    <p:cut/>
+  </p:transition>
+</p:sld>
+</file>
+
+<file path=ppt/slides/slide5.xml><?xml version="1.0" encoding="utf-8"?>
+<p:sld xmlns:a="http://schemas.openxmlformats.org/drawingml/2006/main" xmlns:r="http://schemas.openxmlformats.org/officeDocument/2006/relationships" xmlns:p="http://schemas.openxmlformats.org/presentationml/2006/main">
+  <p:cSld>
+    <p:spTree>
+      <p:nvGrpSpPr>
+        <p:cNvPr id="1" name="">
+          <a:extLst>
+            <a:ext uri="{FF2B5EF4-FFF2-40B4-BE49-F238E27FC236}">
+              <a16:creationId xmlns:a16="http://schemas.microsoft.com/office/drawing/2014/main" id="{51E8B79B-E8E6-9CBC-CFFE-FCF3DF3ACC0B}"/>
+            </a:ext>
+          </a:extLst>
+        </p:cNvPr>
+        <p:cNvGrpSpPr/>
+        <p:nvPr/>
+      </p:nvGrpSpPr>
+      <p:grpSpPr>
+        <a:xfrm>
+          <a:off x="0" y="0"/>
+          <a:ext cx="0" cy="0"/>
+          <a:chOff x="0" y="0"/>
+          <a:chExt cx="0" cy="0"/>
+        </a:xfrm>
+      </p:grpSpPr>
+      <p:sp>
+        <p:nvSpPr>
+          <p:cNvPr id="25" name="Title 24">
+            <a:extLst>
+              <a:ext uri="{FF2B5EF4-FFF2-40B4-BE49-F238E27FC236}">
+                <a16:creationId xmlns:a16="http://schemas.microsoft.com/office/drawing/2014/main" id="{F8453FC2-5BE9-D49A-A77C-346F0550F648}"/>
+              </a:ext>
+            </a:extLst>
+          </p:cNvPr>
+          <p:cNvSpPr>
+            <a:spLocks noGrp="1"/>
+          </p:cNvSpPr>
+          <p:nvPr>
+            <p:ph type="title"/>
+          </p:nvPr>
+        </p:nvSpPr>
+        <p:spPr/>
+        <p:txBody>
+          <a:bodyPr/>
+          <a:lstStyle/>
+          <a:p>
+            <a:r>
+              <a:rPr lang="en-US" dirty="0"/>
+              <a:t>Comparing Two Proportions</a:t>
+            </a:r>
+          </a:p>
+        </p:txBody>
+      </p:sp>
+      <p:sp>
+        <p:nvSpPr>
+          <p:cNvPr id="10" name="TextBox 9">
+            <a:extLst>
+              <a:ext uri="{FF2B5EF4-FFF2-40B4-BE49-F238E27FC236}">
+                <a16:creationId xmlns:a16="http://schemas.microsoft.com/office/drawing/2014/main" id="{5912FD36-5C56-DDF1-A12A-DEA4F04B44F4}"/>
+              </a:ext>
+            </a:extLst>
+          </p:cNvPr>
+          <p:cNvSpPr txBox="1"/>
+          <p:nvPr/>
+        </p:nvSpPr>
+        <p:spPr>
+          <a:xfrm>
+            <a:off x="3481772" y="276950"/>
+            <a:ext cx="8311008" cy="5693866"/>
+          </a:xfrm>
+          <a:prstGeom prst="rect">
+            <a:avLst/>
+          </a:prstGeom>
+          <a:noFill/>
+        </p:spPr>
+        <p:txBody>
+          <a:bodyPr wrap="square" rtlCol="0">
+            <a:spAutoFit/>
+          </a:bodyPr>
+          <a:lstStyle/>
+          <a:p>
+            <a:r>
+              <a:rPr lang="en-US" sz="2800" dirty="0"/>
+              <a:t>So far, we’ve done hypothesis tests to see if our population proportion differs from some hypothesized value.</a:t>
+            </a:r>
+          </a:p>
+          <a:p>
+            <a:endParaRPr lang="en-US" sz="2800" dirty="0"/>
+          </a:p>
+          <a:p>
+            <a:r>
+              <a:rPr lang="en-US" sz="2800" dirty="0"/>
+              <a:t>	Ex. Is the proportion of WSU students who 			commute greater than 50%?  </a:t>
+            </a:r>
+          </a:p>
+          <a:p>
+            <a:endParaRPr lang="en-US" sz="2800" dirty="0"/>
+          </a:p>
+          <a:p>
+            <a:r>
+              <a:rPr lang="en-US" sz="2800" dirty="0"/>
+              <a:t>Sometimes our research question instead focuses on comparing proportions from two groups.</a:t>
+            </a:r>
+          </a:p>
+          <a:p>
+            <a:endParaRPr lang="en-US" sz="2800" dirty="0"/>
+          </a:p>
+          <a:p>
+            <a:r>
+              <a:rPr lang="en-US" sz="2800" dirty="0"/>
+              <a:t>	Ex. Is the proportion of WSU students who 	commute larger than the proportion of Springfield 	College students who commute?  </a:t>
+            </a:r>
+          </a:p>
+        </p:txBody>
+      </p:sp>
+    </p:spTree>
+    <p:extLst>
+      <p:ext uri="{BB962C8B-B14F-4D97-AF65-F5344CB8AC3E}">
+        <p14:creationId xmlns:p14="http://schemas.microsoft.com/office/powerpoint/2010/main" val="2284837137"/>
       </p:ext>
     </p:extLst>
   </p:cSld>
